--- a/slides/Tag-1_5-Gitlab_Light.pptx
+++ b/slides/Tag-1_5-Gitlab_Light.pptx
@@ -3959,6 +3959,42 @@
           </a:p>
         </p:txBody>
       </p:sp>
+      <p:pic>
+        <p:nvPicPr>
+          <p:cNvPr id="2" name="Grafik 1">
+            <a:extLst>
+              <a:ext uri="{FF2B5EF4-FFF2-40B4-BE49-F238E27FC236}">
+                <a16:creationId xmlns:a16="http://schemas.microsoft.com/office/drawing/2014/main" id="{53D448BB-2AD7-E3CA-5CC2-C2EC82B996F2}"/>
+              </a:ext>
+            </a:extLst>
+          </p:cNvPr>
+          <p:cNvPicPr>
+            <a:picLocks noChangeAspect="1"/>
+          </p:cNvPicPr>
+          <p:nvPr userDrawn="1"/>
+        </p:nvPicPr>
+        <p:blipFill>
+          <a:blip r:embed="rId5">
+            <a:extLst>
+              <a:ext uri="{28A0092B-C50C-407E-A947-70E740481C1C}">
+                <a14:useLocalDpi xmlns:a14="http://schemas.microsoft.com/office/drawing/2010/main" val="0"/>
+              </a:ext>
+            </a:extLst>
+          </a:blip>
+          <a:stretch>
+            <a:fillRect/>
+          </a:stretch>
+        </p:blipFill>
+        <p:spPr>
+          <a:xfrm>
+            <a:off x="3383868" y="4481736"/>
+            <a:ext cx="2376264" cy="2376264"/>
+          </a:xfrm>
+          <a:prstGeom prst="rect">
+            <a:avLst/>
+          </a:prstGeom>
+        </p:spPr>
+      </p:pic>
     </p:spTree>
   </p:cSld>
   <p:clrMap bg1="lt1" tx1="dk1" bg2="lt2" tx2="dk2" accent1="accent1" accent2="accent2" accent3="accent3" accent4="accent4" accent5="accent5" accent6="accent6" hlink="hlink" folHlink="folHlink"/>

--- a/slides/Tag-1_5-Gitlab_Light.pptx
+++ b/slides/Tag-1_5-Gitlab_Light.pptx
@@ -2401,7 +2401,7 @@
               <a:pPr algn="ctr">
                 <a:defRPr/>
               </a:pPr>
-              <a:t>10.06.2024</a:t>
+              <a:t>11.06.2024</a:t>
             </a:fld>
             <a:endParaRPr lang="de-DE" sz="1000">
               <a:solidFill>
@@ -3250,6 +3250,42 @@
           </a:p>
         </p:txBody>
       </p:sp>
+      <p:pic>
+        <p:nvPicPr>
+          <p:cNvPr id="3" name="Grafik 2">
+            <a:extLst>
+              <a:ext uri="{FF2B5EF4-FFF2-40B4-BE49-F238E27FC236}">
+                <a16:creationId xmlns:a16="http://schemas.microsoft.com/office/drawing/2014/main" id="{F54071DB-1F78-3C8F-543A-6F5061984B63}"/>
+              </a:ext>
+            </a:extLst>
+          </p:cNvPr>
+          <p:cNvPicPr>
+            <a:picLocks noChangeAspect="1"/>
+          </p:cNvPicPr>
+          <p:nvPr userDrawn="1"/>
+        </p:nvPicPr>
+        <p:blipFill>
+          <a:blip r:embed="rId7">
+            <a:extLst>
+              <a:ext uri="{28A0092B-C50C-407E-A947-70E740481C1C}">
+                <a14:useLocalDpi xmlns:a14="http://schemas.microsoft.com/office/drawing/2010/main" val="0"/>
+              </a:ext>
+            </a:extLst>
+          </a:blip>
+          <a:stretch>
+            <a:fillRect/>
+          </a:stretch>
+        </p:blipFill>
+        <p:spPr>
+          <a:xfrm>
+            <a:off x="8486775" y="-15729"/>
+            <a:ext cx="636272" cy="636272"/>
+          </a:xfrm>
+          <a:prstGeom prst="rect">
+            <a:avLst/>
+          </a:prstGeom>
+        </p:spPr>
+      </p:pic>
     </p:spTree>
   </p:cSld>
   <p:clrMap bg1="lt1" tx1="dk1" bg2="lt2" tx2="dk2" accent1="accent1" accent2="accent2" accent3="accent3" accent4="accent4" accent5="accent5" accent6="accent6" hlink="hlink" folHlink="folHlink"/>
@@ -4535,7 +4571,7 @@
               <a:pPr algn="ctr">
                 <a:defRPr/>
               </a:pPr>
-              <a:t>10.06.2024</a:t>
+              <a:t>11.06.2024</a:t>
             </a:fld>
             <a:endParaRPr lang="de-DE" sz="1000" dirty="0">
               <a:solidFill>
@@ -5384,6 +5420,42 @@
           </a:p>
         </p:txBody>
       </p:sp>
+      <p:pic>
+        <p:nvPicPr>
+          <p:cNvPr id="3" name="Grafik 2">
+            <a:extLst>
+              <a:ext uri="{FF2B5EF4-FFF2-40B4-BE49-F238E27FC236}">
+                <a16:creationId xmlns:a16="http://schemas.microsoft.com/office/drawing/2014/main" id="{A944E926-2247-D6FA-F2B5-E536923D6B5E}"/>
+              </a:ext>
+            </a:extLst>
+          </p:cNvPr>
+          <p:cNvPicPr>
+            <a:picLocks noChangeAspect="1"/>
+          </p:cNvPicPr>
+          <p:nvPr userDrawn="1"/>
+        </p:nvPicPr>
+        <p:blipFill>
+          <a:blip r:embed="rId7">
+            <a:extLst>
+              <a:ext uri="{28A0092B-C50C-407E-A947-70E740481C1C}">
+                <a14:useLocalDpi xmlns:a14="http://schemas.microsoft.com/office/drawing/2010/main" val="0"/>
+              </a:ext>
+            </a:extLst>
+          </a:blip>
+          <a:stretch>
+            <a:fillRect/>
+          </a:stretch>
+        </p:blipFill>
+        <p:spPr>
+          <a:xfrm>
+            <a:off x="8486775" y="-15729"/>
+            <a:ext cx="636272" cy="636272"/>
+          </a:xfrm>
+          <a:prstGeom prst="rect">
+            <a:avLst/>
+          </a:prstGeom>
+        </p:spPr>
+      </p:pic>
     </p:spTree>
     <p:extLst>
       <p:ext uri="{BB962C8B-B14F-4D97-AF65-F5344CB8AC3E}">
@@ -5981,7 +6053,7 @@
               <a:pPr algn="ctr">
                 <a:defRPr/>
               </a:pPr>
-              <a:t>10.06.2024</a:t>
+              <a:t>11.06.2024</a:t>
             </a:fld>
             <a:endParaRPr lang="de-DE" sz="1000">
               <a:solidFill>
@@ -6830,6 +6902,42 @@
           </a:p>
         </p:txBody>
       </p:sp>
+      <p:pic>
+        <p:nvPicPr>
+          <p:cNvPr id="3" name="Grafik 2">
+            <a:extLst>
+              <a:ext uri="{FF2B5EF4-FFF2-40B4-BE49-F238E27FC236}">
+                <a16:creationId xmlns:a16="http://schemas.microsoft.com/office/drawing/2014/main" id="{C3C845FA-EAEE-80AC-1F42-FEB71C256941}"/>
+              </a:ext>
+            </a:extLst>
+          </p:cNvPr>
+          <p:cNvPicPr>
+            <a:picLocks noChangeAspect="1"/>
+          </p:cNvPicPr>
+          <p:nvPr userDrawn="1"/>
+        </p:nvPicPr>
+        <p:blipFill>
+          <a:blip r:embed="rId7">
+            <a:extLst>
+              <a:ext uri="{28A0092B-C50C-407E-A947-70E740481C1C}">
+                <a14:useLocalDpi xmlns:a14="http://schemas.microsoft.com/office/drawing/2010/main" val="0"/>
+              </a:ext>
+            </a:extLst>
+          </a:blip>
+          <a:stretch>
+            <a:fillRect/>
+          </a:stretch>
+        </p:blipFill>
+        <p:spPr>
+          <a:xfrm>
+            <a:off x="8486775" y="-15729"/>
+            <a:ext cx="636272" cy="636272"/>
+          </a:xfrm>
+          <a:prstGeom prst="rect">
+            <a:avLst/>
+          </a:prstGeom>
+        </p:spPr>
+      </p:pic>
     </p:spTree>
     <p:extLst>
       <p:ext uri="{BB962C8B-B14F-4D97-AF65-F5344CB8AC3E}">

--- a/slides/Tag-1_5-Gitlab_Light.pptx
+++ b/slides/Tag-1_5-Gitlab_Light.pptx
@@ -7771,8 +7771,12 @@
           <a:lstStyle/>
           <a:p>
             <a:r>
-              <a:rPr lang="de-DE" dirty="0" err="1"/>
+              <a:rPr lang="de-DE" altLang="de-DE" dirty="0" err="1"/>
               <a:t>GitLab</a:t>
+            </a:r>
+            <a:r>
+              <a:rPr lang="de-DE" altLang="de-DE" dirty="0"/>
+              <a:t> – Einführung</a:t>
             </a:r>
             <a:endParaRPr lang="de-DE" dirty="0"/>
           </a:p>
@@ -8010,7 +8014,7 @@
             </a:r>
             <a:r>
               <a:rPr lang="de-DE" altLang="de-DE" dirty="0"/>
-              <a:t> ist es sinnvoll mittels SSH Keys auf Remote </a:t>
+              <a:t> ist es sinnvoll, mittels SSH Keys auf Remote </a:t>
             </a:r>
             <a:r>
               <a:rPr lang="de-DE" altLang="de-DE" dirty="0" err="1"/>
@@ -8025,7 +8029,7 @@
             </a:br>
             <a:r>
               <a:rPr lang="de-DE" altLang="de-DE" dirty="0"/>
-              <a:t>Falls Sie noch kein SSH Key in </a:t>
+              <a:t>Falls Sie noch keinen SSH Key in </a:t>
             </a:r>
             <a:r>
               <a:rPr lang="de-DE" altLang="de-DE" dirty="0" err="1"/>
@@ -8033,7 +8037,7 @@
             </a:r>
             <a:r>
               <a:rPr lang="de-DE" altLang="de-DE" dirty="0"/>
-              <a:t> hinterlegt haben, so können Sie entweder die Anleitung aus dem </a:t>
+              <a:t> hinterlegt haben, so können Sie entweder die Anleitung aus </a:t>
             </a:r>
             <a:r>
               <a:rPr lang="de-DE" altLang="de-DE" dirty="0" err="1"/>
@@ -8073,15 +8077,7 @@
             </a:r>
             <a:r>
               <a:rPr lang="de-DE" altLang="de-DE" dirty="0"/>
-              <a:t> in Ihrem eigenen Bereich an, sodass nur Sie selbst Zugriff darauf haben. Achten Sie darauf, dass Sie das Repository mit einer Readme initialisieren, um dieses direkt </a:t>
-            </a:r>
-            <a:r>
-              <a:rPr lang="de-DE" altLang="de-DE" dirty="0" err="1"/>
-              <a:t>clonen</a:t>
-            </a:r>
-            <a:r>
-              <a:rPr lang="de-DE" altLang="de-DE" dirty="0"/>
-              <a:t> zu können.</a:t>
+              <a:t> in Ihrem eigenen Bereich an, sodass nur Sie selbst Zugriff darauf haben. Achten Sie darauf, dass Sie das Repository mit einer Readme initialisieren, um dieses direkt klonen zu können.</a:t>
             </a:r>
           </a:p>
           <a:p>
@@ -8090,12 +8086,8 @@
               <a:buAutoNum type="arabicPeriod"/>
             </a:pPr>
             <a:r>
-              <a:rPr lang="de-DE" altLang="de-DE" dirty="0" err="1"/>
-              <a:t>Clonen</a:t>
-            </a:r>
-            <a:r>
-              <a:rPr lang="de-DE" altLang="de-DE" dirty="0"/>
-              <a:t> Sie das Repository in ein lokales Verzeichnis auf Ihrem Rechner.</a:t>
+              <a:rPr lang="de-DE" altLang="de-DE" dirty="0"/>
+              <a:t>Klonen Sie das Repository in ein lokales Verzeichnis auf Ihrem Rechner.</a:t>
             </a:r>
           </a:p>
           <a:p>
@@ -8199,7 +8191,7 @@
             </a:pPr>
             <a:r>
               <a:rPr lang="de-DE" altLang="de-DE" b="1" dirty="0"/>
-              <a:t>Hinweis</a:t>
+              <a:t>Hinweis:</a:t>
             </a:r>
           </a:p>
           <a:p>
@@ -8208,15 +8200,27 @@
             </a:pPr>
             <a:r>
               <a:rPr lang="de-DE" altLang="de-DE" dirty="0"/>
-              <a:t>Man kann grundsätzlich viele Änderungen am Projekt sowohl lokal als auch in der </a:t>
-            </a:r>
-            <a:r>
-              <a:rPr lang="de-DE" altLang="de-DE" dirty="0" err="1"/>
+              <a:t>Man kann grundsätzlich viele Änderungen am Projekt sowohl </a:t>
+            </a:r>
+            <a:r>
+              <a:rPr lang="de-DE" altLang="de-DE" i="1" dirty="0"/>
+              <a:t>lokal</a:t>
+            </a:r>
+            <a:r>
+              <a:rPr lang="de-DE" altLang="de-DE" dirty="0"/>
+              <a:t> als auch über die </a:t>
+            </a:r>
+            <a:r>
+              <a:rPr lang="de-DE" altLang="de-DE" i="1" dirty="0" err="1"/>
               <a:t>GitLab</a:t>
             </a:r>
             <a:r>
-              <a:rPr lang="de-DE" altLang="de-DE" dirty="0"/>
-              <a:t> Weboberfläche vornehmen. Für gewöhnlich bearbeitet man beispielweise eher selten Dateien in der </a:t>
+              <a:rPr lang="de-DE" altLang="de-DE" i="1" dirty="0"/>
+              <a:t> Weboberfläche </a:t>
+            </a:r>
+            <a:r>
+              <a:rPr lang="de-DE" altLang="de-DE" dirty="0"/>
+              <a:t>vornehmen. Für gewöhnlich bearbeitet man eher selten Dateien in der </a:t>
             </a:r>
             <a:r>
               <a:rPr lang="de-DE" altLang="de-DE" dirty="0" err="1"/>
@@ -8485,7 +8489,7 @@
             </a:r>
             <a:r>
               <a:rPr lang="de-DE" altLang="de-DE" dirty="0"/>
-              <a:t>vergleicht nur den lokalen Remote Tracking Bereich mit Ihrem aktuellen Branch. Es gibt keinen Aufschluss darüber, ob Remote neue Änderungen verfügbar sind.</a:t>
+              <a:t>vergleicht nur den lokalen Remote Tracking Bereich mit Ihrem aktuellen Branch. Es gibt keinen Aufschluss darüber, ob remote neue Änderungen verfügbar sind.</a:t>
             </a:r>
             <a:br>
               <a:rPr lang="de-DE" altLang="de-DE" dirty="0"/>
@@ -9162,7 +9166,7 @@
             </a:r>
             <a:r>
               <a:rPr lang="de-DE" altLang="de-DE" dirty="0"/>
-              <a:t> bietet die Möglichkeit aus </a:t>
+              <a:t> bietet die Möglichkeit, aus </a:t>
             </a:r>
             <a:r>
               <a:rPr lang="de-DE" altLang="de-DE" dirty="0" err="1"/>
@@ -9419,7 +9423,15 @@
             </a:r>
             <a:r>
               <a:rPr lang="de-DE" altLang="de-DE" dirty="0"/>
-              <a:t> nicht angezeigt werden, da Sie diesen erst vom Remote abrufen müssen.</a:t>
+              <a:t> </a:t>
+            </a:r>
+            <a:r>
+              <a:rPr lang="de-DE" altLang="de-DE" u="sng" dirty="0"/>
+              <a:t>nicht</a:t>
+            </a:r>
+            <a:r>
+              <a:rPr lang="de-DE" altLang="de-DE" dirty="0"/>
+              <a:t> angezeigt werden, da Sie diesen erst vom Remote abrufen müssen.</a:t>
             </a:r>
           </a:p>
           <a:p>
@@ -9499,8 +9511,12 @@
               <a:t>Datei und nehmen Sie die geforderten Änderungen vor, indem Sie die Datei um ein weiteres </a:t>
             </a:r>
             <a:r>
-              <a:rPr lang="de-DE" altLang="de-DE" dirty="0" err="1"/>
+              <a:rPr lang="de-DE" altLang="de-DE" i="1" dirty="0" err="1"/>
               <a:t>if</a:t>
+            </a:r>
+            <a:r>
+              <a:rPr lang="de-DE" altLang="de-DE" i="1" dirty="0"/>
+              <a:t>-Statement</a:t>
             </a:r>
             <a:r>
               <a:rPr lang="de-DE" altLang="de-DE" dirty="0"/>
@@ -9628,7 +9644,7 @@
             </a:r>
             <a:r>
               <a:rPr lang="de-DE" altLang="de-DE" b="1" dirty="0"/>
-              <a:t>-Request</a:t>
+              <a:t> Request</a:t>
             </a:r>
           </a:p>
           <a:p>
@@ -9699,7 +9715,15 @@
             </a:r>
             <a:r>
               <a:rPr lang="de-DE" altLang="de-DE" dirty="0" err="1"/>
-              <a:t>Merge-Requests</a:t>
+              <a:t>Merge</a:t>
+            </a:r>
+            <a:r>
+              <a:rPr lang="de-DE" altLang="de-DE" dirty="0"/>
+              <a:t> </a:t>
+            </a:r>
+            <a:r>
+              <a:rPr lang="de-DE" altLang="de-DE" dirty="0" err="1"/>
+              <a:t>Requests</a:t>
             </a:r>
             <a:r>
               <a:rPr lang="de-DE" altLang="de-DE" dirty="0"/>
@@ -9756,7 +9780,7 @@
             </a:r>
             <a:r>
               <a:rPr lang="de-DE" altLang="de-DE" dirty="0"/>
-              <a:t> und Reviewer zu (normalerweise würde man logischerweise jemand anderes als Reviewer eintragen).</a:t>
+              <a:t> und Reviewer zu (normalerweise würde man logischerweise jemand anderen als Reviewer eintragen).</a:t>
             </a:r>
           </a:p>
           <a:p>
@@ -9920,7 +9944,7 @@
             </a:r>
             <a:r>
               <a:rPr lang="de-DE" altLang="de-DE" b="1" dirty="0"/>
-              <a:t>-Request</a:t>
+              <a:t> Request</a:t>
             </a:r>
             <a:endParaRPr lang="de-DE" altLang="de-DE" dirty="0"/>
           </a:p>
@@ -9943,7 +9967,7 @@
             </a:r>
             <a:r>
               <a:rPr lang="de-DE" altLang="de-DE" dirty="0"/>
-              <a:t>-Request mit der Option „Delete source </a:t>
+              <a:t> Request mit der Option „Delete source </a:t>
             </a:r>
             <a:r>
               <a:rPr lang="de-DE" altLang="de-DE" dirty="0" err="1"/>
@@ -10790,22 +10814,14 @@
             </a:pPr>
             <a:r>
               <a:rPr lang="de-DE" altLang="de-DE" dirty="0"/>
-              <a:t>In der Zwischenzeit hat ein Kollege die Aufgabe bekommen, den Zahlenbereich von 10 </a:t>
-            </a:r>
-            <a:r>
-              <a:rPr lang="de-DE" altLang="de-DE"/>
-              <a:t>auf 1000 </a:t>
-            </a:r>
-            <a:r>
-              <a:rPr lang="de-DE" altLang="de-DE" dirty="0"/>
-              <a:t>zu erhöhen.</a:t>
+              <a:t>In der Zwischenzeit hat ein Kollege die Aufgabe bekommen, den Zahlenbereich von 10 auf 1000 zu erhöhen.</a:t>
             </a:r>
             <a:br>
               <a:rPr lang="de-DE" altLang="de-DE" dirty="0"/>
             </a:br>
             <a:r>
               <a:rPr lang="de-DE" altLang="de-DE" dirty="0"/>
-              <a:t>Um die Änderungen von Ihm zu simulieren, führen wir diese über die Web-GUI durch. Ein zugehöriges </a:t>
+              <a:t>Um die parallelen Änderungen von Ihm zu simulieren, führen wir diese über die Web-GUI durch. Ein zugehöriges </a:t>
             </a:r>
             <a:r>
               <a:rPr lang="de-DE" altLang="de-DE" dirty="0" err="1"/>
@@ -10822,11 +10838,11 @@
             </a:pPr>
             <a:r>
               <a:rPr lang="de-DE" altLang="de-DE" b="1" dirty="0"/>
-              <a:t>Hinweis </a:t>
-            </a:r>
-            <a:r>
-              <a:rPr lang="de-DE" altLang="de-DE" dirty="0"/>
-              <a:t>Ein gemeinsames Arbeiten über eine Datei sollte im Optimalfall vermieden werden, um Konflikten zu vermeiden.  </a:t>
+              <a:t>Hinweis: </a:t>
+            </a:r>
+            <a:r>
+              <a:rPr lang="de-DE" altLang="de-DE" dirty="0"/>
+              <a:t>Ein gemeinsames Arbeiten über eine Datei sollte im Optimalfall vermieden werden, um Konflikte zu vermeiden.  </a:t>
             </a:r>
           </a:p>
           <a:p>
@@ -11274,7 +11290,7 @@
             </a:pPr>
             <a:r>
               <a:rPr lang="de-DE" altLang="de-DE" b="1" dirty="0"/>
-              <a:t>Wichtig </a:t>
+              <a:t>Wichtig: </a:t>
             </a:r>
             <a:r>
               <a:rPr lang="de-DE" altLang="de-DE" dirty="0">
@@ -11311,7 +11327,7 @@
             </a:r>
             <a:r>
               <a:rPr lang="de-DE" altLang="de-DE" dirty="0"/>
-              <a:t> sind damit kaputt und müssen komplett neu vom Remote abgerufen werden.</a:t>
+              <a:t> wären damit kaputt und müssten komplett neu vom Remote abgerufen werden.</a:t>
             </a:r>
             <a:br>
               <a:rPr lang="de-DE" altLang="de-DE" dirty="0"/>
@@ -11321,7 +11337,7 @@
             </a:br>
             <a:r>
               <a:rPr lang="de-DE" altLang="de-DE" b="1" dirty="0"/>
-              <a:t>Daher niemals auf Public-</a:t>
+              <a:t>Daher niemals auf Public </a:t>
             </a:r>
             <a:r>
               <a:rPr lang="de-DE" altLang="de-DE" b="1" dirty="0" err="1"/>
@@ -11451,7 +11467,7 @@
             </a:r>
             <a:r>
               <a:rPr lang="de-DE" altLang="de-DE" b="1" dirty="0"/>
-              <a:t>-Konflikte</a:t>
+              <a:t> Konflikte</a:t>
             </a:r>
           </a:p>
           <a:p>
@@ -11683,7 +11699,7 @@
             </a:pPr>
             <a:r>
               <a:rPr lang="de-DE" altLang="de-DE" dirty="0"/>
-              <a:t>Stellen Sie für Ihren Feature Branch ein </a:t>
+              <a:t>Stellen Sie für Ihren Feature Branch einen </a:t>
             </a:r>
             <a:r>
               <a:rPr lang="de-DE" altLang="de-DE" dirty="0" err="1"/>
@@ -11691,7 +11707,7 @@
             </a:r>
             <a:r>
               <a:rPr lang="de-DE" altLang="de-DE" dirty="0"/>
-              <a:t>-Request. Nach der Erstellung sollte </a:t>
+              <a:t> Request. Nach der Erstellung sollte </a:t>
             </a:r>
             <a:r>
               <a:rPr lang="de-DE" altLang="de-DE" dirty="0" err="1"/>
@@ -12639,7 +12655,10 @@
               <a:rPr lang="de-DE" altLang="de-DE" dirty="0" err="1"/>
               <a:t>GitLab</a:t>
             </a:r>
-            <a:endParaRPr lang="de-DE" altLang="de-DE" dirty="0"/>
+            <a:r>
+              <a:rPr lang="de-DE" altLang="de-DE" dirty="0"/>
+              <a:t>?</a:t>
+            </a:r>
           </a:p>
           <a:p>
             <a:pPr lvl="1">
@@ -12653,15 +12672,7 @@
             </a:r>
             <a:r>
               <a:rPr lang="de-DE" altLang="de-DE" dirty="0"/>
-              <a:t> </a:t>
-            </a:r>
-            <a:r>
-              <a:rPr lang="de-DE" altLang="de-DE" dirty="0" err="1"/>
-              <a:t>vs</a:t>
-            </a:r>
-            <a:r>
-              <a:rPr lang="de-DE" altLang="de-DE" dirty="0"/>
-              <a:t> </a:t>
+              <a:t> vs. </a:t>
             </a:r>
             <a:r>
               <a:rPr lang="de-DE" altLang="de-DE" dirty="0" err="1"/>
@@ -12688,13 +12699,15 @@
             </a:pPr>
             <a:r>
               <a:rPr lang="de-DE" altLang="de-DE" dirty="0"/>
-              <a:t>Live-Demo </a:t>
-            </a:r>
-            <a:r>
-              <a:rPr lang="de-DE" altLang="de-DE" dirty="0" err="1"/>
-              <a:t>GitLab</a:t>
-            </a:r>
-            <a:endParaRPr lang="de-DE" altLang="de-DE" dirty="0"/>
+              <a:t>Live Demo</a:t>
+            </a:r>
+          </a:p>
+          <a:p>
+            <a:pPr lvl="1"/>
+            <a:r>
+              <a:rPr lang="de-DE" altLang="de-DE" dirty="0"/>
+              <a:t>Projekte erstellen</a:t>
+            </a:r>
           </a:p>
           <a:p>
             <a:pPr lvl="1">
@@ -12704,7 +12717,7 @@
             </a:pPr>
             <a:r>
               <a:rPr lang="de-DE" altLang="de-DE" dirty="0"/>
-              <a:t>Projekte erstellen</a:t>
+              <a:t>Gruppen</a:t>
             </a:r>
           </a:p>
           <a:p>
@@ -12715,7 +12728,7 @@
             </a:pPr>
             <a:r>
               <a:rPr lang="de-DE" altLang="de-DE" dirty="0"/>
-              <a:t>Gruppen</a:t>
+              <a:t>Arbeiten im Projekt</a:t>
             </a:r>
           </a:p>
           <a:p>
@@ -12725,8 +12738,12 @@
               </a:spcBef>
             </a:pPr>
             <a:r>
-              <a:rPr lang="de-DE" altLang="de-DE" dirty="0"/>
-              <a:t>Arbeiten im Projekt</a:t>
+              <a:rPr lang="de-DE" altLang="de-DE" dirty="0" err="1"/>
+              <a:t>Planing</a:t>
+            </a:r>
+            <a:r>
+              <a:rPr lang="de-DE" altLang="de-DE" dirty="0"/>
+              <a:t> Tools</a:t>
             </a:r>
           </a:p>
           <a:p>
@@ -12737,30 +12754,23 @@
             </a:pPr>
             <a:r>
               <a:rPr lang="de-DE" altLang="de-DE" dirty="0" err="1"/>
-              <a:t>Planing</a:t>
-            </a:r>
-            <a:r>
-              <a:rPr lang="de-DE" altLang="de-DE" dirty="0"/>
-              <a:t> Tools</a:t>
-            </a:r>
-          </a:p>
-          <a:p>
-            <a:pPr lvl="1">
-              <a:spcBef>
-                <a:spcPts val="300"/>
-              </a:spcBef>
-            </a:pPr>
+              <a:t>Branches</a:t>
+            </a:r>
+            <a:r>
+              <a:rPr lang="de-DE" altLang="de-DE" dirty="0"/>
+              <a:t> und </a:t>
+            </a:r>
             <a:r>
               <a:rPr lang="de-DE" altLang="de-DE" dirty="0" err="1"/>
-              <a:t>Branches</a:t>
-            </a:r>
-            <a:r>
-              <a:rPr lang="de-DE" altLang="de-DE" dirty="0"/>
-              <a:t> und </a:t>
+              <a:t>Merge</a:t>
+            </a:r>
+            <a:r>
+              <a:rPr lang="de-DE" altLang="de-DE" dirty="0"/>
+              <a:t> </a:t>
             </a:r>
             <a:r>
               <a:rPr lang="de-DE" altLang="de-DE" dirty="0" err="1"/>
-              <a:t>Merge-Requests</a:t>
+              <a:t>Requests</a:t>
             </a:r>
             <a:endParaRPr lang="de-DE" altLang="de-DE" dirty="0"/>
           </a:p>
@@ -12772,17 +12782,8 @@
             </a:pPr>
             <a:r>
               <a:rPr lang="de-DE" altLang="de-DE" dirty="0"/>
-              <a:t>Übung zu </a:t>
-            </a:r>
-            <a:r>
-              <a:rPr lang="de-DE" altLang="de-DE" dirty="0" err="1"/>
-              <a:t>GitLab</a:t>
-            </a:r>
-            <a:endParaRPr lang="de-DE" altLang="de-DE" dirty="0"/>
-          </a:p>
-          <a:p>
-            <a:pPr lvl="1"/>
-            <a:endParaRPr lang="de-DE" altLang="de-DE" dirty="0"/>
+              <a:t>Übung</a:t>
+            </a:r>
           </a:p>
           <a:p>
             <a:pPr marL="0" indent="0">
@@ -12971,7 +12972,7 @@
             </a:pPr>
             <a:r>
               <a:rPr lang="de-DE" altLang="de-DE" dirty="0"/>
-              <a:t>Zusätzliche Funktionen im Bereich:</a:t>
+              <a:t>Zusätzliche Funktionen:</a:t>
             </a:r>
           </a:p>
           <a:p>
@@ -12989,15 +12990,7 @@
             </a:r>
             <a:r>
               <a:rPr lang="de-DE" altLang="de-DE" dirty="0"/>
-              <a:t>-Tracking: Verwaltung/</a:t>
-            </a:r>
-            <a:r>
-              <a:rPr lang="de-DE" altLang="de-DE" dirty="0" err="1"/>
-              <a:t>Verfolugung</a:t>
-            </a:r>
-            <a:r>
-              <a:rPr lang="de-DE" altLang="de-DE" dirty="0"/>
-              <a:t> von Aufgaben</a:t>
+              <a:t> Tracking: Verwaltung/Verfolgung von Aufgaben</a:t>
             </a:r>
           </a:p>
           <a:p>
@@ -13197,15 +13190,7 @@
             </a:r>
             <a:r>
               <a:rPr lang="de-DE" altLang="de-DE" b="1" dirty="0"/>
-              <a:t> </a:t>
-            </a:r>
-            <a:r>
-              <a:rPr lang="de-DE" altLang="de-DE" b="1" dirty="0" err="1"/>
-              <a:t>vs</a:t>
-            </a:r>
-            <a:r>
-              <a:rPr lang="de-DE" altLang="de-DE" b="1" dirty="0"/>
-              <a:t> </a:t>
+              <a:t> vs. </a:t>
             </a:r>
             <a:r>
               <a:rPr lang="de-DE" altLang="de-DE" b="1" dirty="0" err="1"/>
@@ -13230,26 +13215,24 @@
             <a:pPr lvl="1"/>
             <a:r>
               <a:rPr lang="de-DE" altLang="de-DE" dirty="0"/>
-              <a:t>Verteiltes Versionskontrollsystem zur lokalen Verwaltung von Dateien</a:t>
+              <a:t>Verteiltes Versionskontrollsystem zur Verwaltung von Dateien</a:t>
             </a:r>
           </a:p>
           <a:p>
             <a:pPr lvl="1"/>
             <a:r>
               <a:rPr lang="de-DE" altLang="de-DE" dirty="0"/>
-              <a:t>Verfolgung und Speicherung von Änderungen an Dateien</a:t>
-            </a:r>
+              <a:t>Verfolgung und Protokollierung von Änderungen</a:t>
+            </a:r>
+          </a:p>
+          <a:p>
+            <a:pPr lvl="1"/>
+            <a:endParaRPr lang="de-DE" altLang="de-DE" dirty="0"/>
           </a:p>
           <a:p>
             <a:pPr marL="57150" indent="0">
               <a:buNone/>
             </a:pPr>
-            <a:endParaRPr lang="de-DE" altLang="de-DE" dirty="0"/>
-          </a:p>
-          <a:p>
-            <a:pPr marL="57150" indent="0">
-              <a:buNone/>
-            </a:pPr>
             <a:r>
               <a:rPr lang="de-DE" altLang="de-DE" dirty="0" err="1"/>
               <a:t>GitLab</a:t>
@@ -13260,7 +13243,7 @@
             <a:pPr lvl="1"/>
             <a:r>
               <a:rPr lang="de-DE" altLang="de-DE" dirty="0"/>
-              <a:t>Umfassende </a:t>
+              <a:t>Umfassende Entwicklungs- und </a:t>
             </a:r>
             <a:r>
               <a:rPr lang="de-DE" altLang="de-DE" dirty="0" err="1"/>
@@ -13283,7 +13266,7 @@
             </a:r>
             <a:r>
               <a:rPr lang="de-DE" altLang="de-DE" dirty="0"/>
-              <a:t> um Tools und Funktionen für Projektmanagement, Zusammenarbeit und Automatisierung</a:t>
+              <a:t> um Tools und Funktionalitäten für Projektmanagement, Zusammenarbeit und Automatisierung</a:t>
             </a:r>
           </a:p>
           <a:p>
@@ -13388,15 +13371,7 @@
             </a:pPr>
             <a:r>
               <a:rPr lang="de-DE" altLang="de-DE" b="1" dirty="0"/>
-              <a:t>Unterschiedliche </a:t>
-            </a:r>
-            <a:r>
-              <a:rPr lang="de-DE" altLang="de-DE" b="1" dirty="0" err="1"/>
-              <a:t>GitLab</a:t>
-            </a:r>
-            <a:r>
-              <a:rPr lang="de-DE" altLang="de-DE" b="1" dirty="0"/>
-              <a:t> Versionen</a:t>
+              <a:t>Versionen</a:t>
             </a:r>
           </a:p>
           <a:p>
@@ -13630,9 +13605,19 @@
               </a:spcAft>
             </a:pPr>
             <a:r>
-              <a:rPr lang="de-DE" altLang="de-DE" dirty="0"/>
-              <a:t>Kostenlos und Open Source</a:t>
-            </a:r>
+              <a:rPr lang="de-DE" dirty="0">
+                <a:solidFill>
+                  <a:srgbClr val="000000"/>
+                </a:solidFill>
+                <a:effectLst/>
+              </a:rPr>
+              <a:t>Für Unternehmen und große Organisationen</a:t>
+            </a:r>
+            <a:endParaRPr lang="de-DE" dirty="0">
+              <a:solidFill>
+                <a:srgbClr val="000000"/>
+              </a:solidFill>
+            </a:endParaRPr>
           </a:p>
           <a:p>
             <a:pPr marL="800100" lvl="1">
@@ -13644,19 +13629,14 @@
               </a:spcAft>
             </a:pPr>
             <a:r>
-              <a:rPr lang="de-DE" dirty="0">
+              <a:rPr lang="de-DE" altLang="de-DE" dirty="0">
                 <a:solidFill>
                   <a:srgbClr val="000000"/>
                 </a:solidFill>
-                <a:effectLst/>
+                <a:latin typeface="Arial" panose="020B0604020202020204" pitchFamily="34" charset="0"/>
               </a:rPr>
-              <a:t>Für Unternehmen und große Organisationen</a:t>
-            </a:r>
-            <a:endParaRPr lang="de-DE" dirty="0">
-              <a:solidFill>
-                <a:srgbClr val="000000"/>
-              </a:solidFill>
-            </a:endParaRPr>
+              <a:t>Umfangreiche Statistiken zur Analyse</a:t>
+            </a:r>
           </a:p>
           <a:p>
             <a:pPr marL="800100" lvl="1">
@@ -13674,7 +13654,7 @@
                 </a:solidFill>
                 <a:latin typeface="Arial" panose="020B0604020202020204" pitchFamily="34" charset="0"/>
               </a:rPr>
-              <a:t>Umfangreiche Statistiken zur Analyse</a:t>
+              <a:t>Erweiterte Funktionen insbesondere im Bereich Security und Automatisierung</a:t>
             </a:r>
           </a:p>
           <a:p>
@@ -13693,26 +13673,7 @@
                 </a:solidFill>
                 <a:latin typeface="Arial" panose="020B0604020202020204" pitchFamily="34" charset="0"/>
               </a:rPr>
-              <a:t>Erweiterte Funktionen insbesondere im Bereich Security und Automatisierung</a:t>
-            </a:r>
-          </a:p>
-          <a:p>
-            <a:pPr marL="800100" lvl="1">
-              <a:spcBef>
-                <a:spcPts val="600"/>
-              </a:spcBef>
-              <a:spcAft>
-                <a:spcPts val="300"/>
-              </a:spcAft>
-            </a:pPr>
-            <a:r>
-              <a:rPr lang="de-DE" altLang="de-DE" dirty="0">
-                <a:solidFill>
-                  <a:srgbClr val="000000"/>
-                </a:solidFill>
-                <a:latin typeface="Arial" panose="020B0604020202020204" pitchFamily="34" charset="0"/>
-              </a:rPr>
-              <a:t>50,000 </a:t>
+              <a:t>50.000 </a:t>
             </a:r>
             <a:r>
               <a:rPr lang="de-DE" altLang="de-DE" dirty="0" err="1">
@@ -13763,7 +13724,7 @@
             </a:pPr>
             <a:r>
               <a:rPr lang="de-DE" altLang="de-DE" dirty="0"/>
-              <a:t>Versionen können als SaaS auf GitLab.com oder selbst gehostete Instanz im eigenen Netzwerk betrieben werden</a:t>
+              <a:t>Verwendung als SaaS (GitLab.com) oder selbst gehostete Instanz im eigenen Netzwerk</a:t>
             </a:r>
           </a:p>
           <a:p>
@@ -13785,7 +13746,7 @@
             </a:r>
             <a:r>
               <a:rPr lang="de-DE" altLang="de-DE" dirty="0"/>
-              <a:t> mit Fokus auf AI-Unterstützung für Premium und Ultimate verfügbar</a:t>
+              <a:t> mit Fokus auf AI-Unterstützung für Premium und Ultimate</a:t>
             </a:r>
           </a:p>
         </p:txBody>
